--- a/second_semester/secure_webdevelopment/grill_lehner_murrent/Präsentation.pptx
+++ b/second_semester/secure_webdevelopment/grill_lehner_murrent/Präsentation.pptx
@@ -117,7 +117,7 @@
   </p:defaultTextStyle>
   <p:extLst>
     <p:ext uri="{EFAFB233-063F-42B5-8137-9DF3F51BA10A}">
-      <p15:sldGuideLst xmlns:p15="http://schemas.microsoft.com/office/powerpoint/2012/main">
+      <p15:sldGuideLst xmlns:p15="http://schemas.microsoft.com/office/powerpoint/2012/main" xmlns="">
         <p15:guide id="1" orient="horz" pos="2160" userDrawn="1">
           <p15:clr>
             <a:srgbClr val="A4A3A4"/>
@@ -321,7 +321,7 @@
             <a:fld id="{1BA50D42-C9CD-4801-B293-61D1F53EC57E}" type="datetimeFigureOut">
               <a:rPr lang="de-DE" smtClean="0"/>
               <a:pPr/>
-              <a:t>04.04.2014</a:t>
+              <a:t>04/04/14</a:t>
             </a:fld>
             <a:endParaRPr lang="de-DE" dirty="0"/>
           </a:p>
@@ -596,7 +596,7 @@
           <a:p>
             <a:fld id="{1BA50D42-C9CD-4801-B293-61D1F53EC57E}" type="datetimeFigureOut">
               <a:rPr lang="de-DE" smtClean="0"/>
-              <a:t>04.04.2014</a:t>
+              <a:t>04/04/14</a:t>
             </a:fld>
             <a:endParaRPr lang="de-DE"/>
           </a:p>
@@ -790,7 +790,7 @@
           <a:p>
             <a:fld id="{1BA50D42-C9CD-4801-B293-61D1F53EC57E}" type="datetimeFigureOut">
               <a:rPr lang="de-DE" smtClean="0"/>
-              <a:t>04.04.2014</a:t>
+              <a:t>04/04/14</a:t>
             </a:fld>
             <a:endParaRPr lang="de-DE"/>
           </a:p>
@@ -1063,7 +1063,7 @@
           <a:p>
             <a:fld id="{1BA50D42-C9CD-4801-B293-61D1F53EC57E}" type="datetimeFigureOut">
               <a:rPr lang="de-DE" smtClean="0"/>
-              <a:t>04.04.2014</a:t>
+              <a:t>04/04/14</a:t>
             </a:fld>
             <a:endParaRPr lang="de-DE"/>
           </a:p>
@@ -1404,7 +1404,7 @@
           <a:p>
             <a:fld id="{1BA50D42-C9CD-4801-B293-61D1F53EC57E}" type="datetimeFigureOut">
               <a:rPr lang="de-DE" smtClean="0"/>
-              <a:t>04.04.2014</a:t>
+              <a:t>04/04/14</a:t>
             </a:fld>
             <a:endParaRPr lang="de-DE"/>
           </a:p>
@@ -2027,7 +2027,7 @@
           <a:p>
             <a:fld id="{1BA50D42-C9CD-4801-B293-61D1F53EC57E}" type="datetimeFigureOut">
               <a:rPr lang="de-DE" smtClean="0"/>
-              <a:t>04.04.2014</a:t>
+              <a:t>04/04/14</a:t>
             </a:fld>
             <a:endParaRPr lang="de-DE"/>
           </a:p>
@@ -2887,7 +2887,7 @@
           <a:p>
             <a:fld id="{1BA50D42-C9CD-4801-B293-61D1F53EC57E}" type="datetimeFigureOut">
               <a:rPr lang="de-DE" smtClean="0"/>
-              <a:t>04.04.2014</a:t>
+              <a:t>04/04/14</a:t>
             </a:fld>
             <a:endParaRPr lang="de-DE"/>
           </a:p>
@@ -3057,7 +3057,7 @@
           <a:p>
             <a:fld id="{1BA50D42-C9CD-4801-B293-61D1F53EC57E}" type="datetimeFigureOut">
               <a:rPr lang="de-DE" smtClean="0"/>
-              <a:t>04.04.2014</a:t>
+              <a:t>04/04/14</a:t>
             </a:fld>
             <a:endParaRPr lang="de-DE"/>
           </a:p>
@@ -3237,7 +3237,7 @@
           <a:p>
             <a:fld id="{1BA50D42-C9CD-4801-B293-61D1F53EC57E}" type="datetimeFigureOut">
               <a:rPr lang="de-DE" smtClean="0"/>
-              <a:t>04.04.2014</a:t>
+              <a:t>04/04/14</a:t>
             </a:fld>
             <a:endParaRPr lang="de-DE"/>
           </a:p>
@@ -3407,7 +3407,7 @@
           <a:p>
             <a:fld id="{1BA50D42-C9CD-4801-B293-61D1F53EC57E}" type="datetimeFigureOut">
               <a:rPr lang="de-DE" smtClean="0"/>
-              <a:t>04.04.2014</a:t>
+              <a:t>04/04/14</a:t>
             </a:fld>
             <a:endParaRPr lang="de-DE"/>
           </a:p>
@@ -3654,7 +3654,7 @@
           <a:p>
             <a:fld id="{1BA50D42-C9CD-4801-B293-61D1F53EC57E}" type="datetimeFigureOut">
               <a:rPr lang="de-DE" smtClean="0"/>
-              <a:t>04.04.2014</a:t>
+              <a:t>04/04/14</a:t>
             </a:fld>
             <a:endParaRPr lang="de-DE"/>
           </a:p>
@@ -3946,7 +3946,7 @@
           <a:p>
             <a:fld id="{1BA50D42-C9CD-4801-B293-61D1F53EC57E}" type="datetimeFigureOut">
               <a:rPr lang="de-DE" smtClean="0"/>
-              <a:t>04.04.2014</a:t>
+              <a:t>04/04/14</a:t>
             </a:fld>
             <a:endParaRPr lang="de-DE"/>
           </a:p>
@@ -4390,7 +4390,7 @@
           <a:p>
             <a:fld id="{1BA50D42-C9CD-4801-B293-61D1F53EC57E}" type="datetimeFigureOut">
               <a:rPr lang="de-DE" smtClean="0"/>
-              <a:t>04.04.2014</a:t>
+              <a:t>04/04/14</a:t>
             </a:fld>
             <a:endParaRPr lang="de-DE"/>
           </a:p>
@@ -4508,7 +4508,7 @@
           <a:p>
             <a:fld id="{1BA50D42-C9CD-4801-B293-61D1F53EC57E}" type="datetimeFigureOut">
               <a:rPr lang="de-DE" smtClean="0"/>
-              <a:t>04.04.2014</a:t>
+              <a:t>04/04/14</a:t>
             </a:fld>
             <a:endParaRPr lang="de-DE"/>
           </a:p>
@@ -4603,7 +4603,7 @@
           <a:p>
             <a:fld id="{1BA50D42-C9CD-4801-B293-61D1F53EC57E}" type="datetimeFigureOut">
               <a:rPr lang="de-DE" smtClean="0"/>
-              <a:t>04.04.2014</a:t>
+              <a:t>04/04/14</a:t>
             </a:fld>
             <a:endParaRPr lang="de-DE"/>
           </a:p>
@@ -4882,7 +4882,7 @@
           <a:p>
             <a:fld id="{1BA50D42-C9CD-4801-B293-61D1F53EC57E}" type="datetimeFigureOut">
               <a:rPr lang="de-DE" smtClean="0"/>
-              <a:t>04.04.2014</a:t>
+              <a:t>04/04/14</a:t>
             </a:fld>
             <a:endParaRPr lang="de-DE"/>
           </a:p>
@@ -5157,7 +5157,7 @@
           <a:p>
             <a:fld id="{1BA50D42-C9CD-4801-B293-61D1F53EC57E}" type="datetimeFigureOut">
               <a:rPr lang="de-DE" smtClean="0"/>
-              <a:t>04.04.2014</a:t>
+              <a:t>04/04/14</a:t>
             </a:fld>
             <a:endParaRPr lang="de-DE"/>
           </a:p>
@@ -5586,7 +5586,7 @@
           <a:p>
             <a:fld id="{1BA50D42-C9CD-4801-B293-61D1F53EC57E}" type="datetimeFigureOut">
               <a:rPr lang="de-DE" smtClean="0"/>
-              <a:t>04.04.2014</a:t>
+              <a:t>04/04/14</a:t>
             </a:fld>
             <a:endParaRPr lang="de-DE"/>
           </a:p>
@@ -6206,7 +6206,7 @@
             <a:fld id="{1BA50D42-C9CD-4801-B293-61D1F53EC57E}" type="datetimeFigureOut">
               <a:rPr lang="de-DE" smtClean="0"/>
               <a:pPr/>
-              <a:t>04.04.2014</a:t>
+              <a:t>04/04/14</a:t>
             </a:fld>
             <a:endParaRPr lang="de-DE" dirty="0"/>
           </a:p>
@@ -6237,7 +6237,7 @@
   <p:timing>
     <p:tnLst>
       <p:par>
-        <p:cTn id="1" dur="indefinite" restart="never" nodeType="tmRoot"/>
+        <p:cTn xmlns:p14="http://schemas.microsoft.com/office/powerpoint/2010/main" id="1" dur="indefinite" restart="never" nodeType="tmRoot"/>
       </p:par>
     </p:tnLst>
   </p:timing>
@@ -6414,7 +6414,7 @@
   <p:timing>
     <p:tnLst>
       <p:par>
-        <p:cTn id="1" dur="indefinite" restart="never" nodeType="tmRoot"/>
+        <p:cTn xmlns:p14="http://schemas.microsoft.com/office/powerpoint/2010/main" id="1" dur="indefinite" restart="never" nodeType="tmRoot"/>
       </p:par>
     </p:tnLst>
   </p:timing>
@@ -6523,7 +6523,7 @@
   <p:timing>
     <p:tnLst>
       <p:par>
-        <p:cTn id="1" dur="indefinite" restart="never" nodeType="tmRoot"/>
+        <p:cTn xmlns:p14="http://schemas.microsoft.com/office/powerpoint/2010/main" id="1" dur="indefinite" restart="never" nodeType="tmRoot"/>
       </p:par>
     </p:tnLst>
   </p:timing>
@@ -6604,7 +6604,7 @@
   <p:timing>
     <p:tnLst>
       <p:par>
-        <p:cTn id="1" dur="indefinite" restart="never" nodeType="tmRoot"/>
+        <p:cTn xmlns:p14="http://schemas.microsoft.com/office/powerpoint/2010/main" id="1" dur="indefinite" restart="never" nodeType="tmRoot"/>
       </p:par>
     </p:tnLst>
   </p:timing>
@@ -6664,7 +6664,7 @@
         <p:spPr/>
         <p:txBody>
           <a:bodyPr>
-            <a:normAutofit lnSpcReduction="10000"/>
+            <a:normAutofit/>
           </a:bodyPr>
           <a:lstStyle/>
           <a:p>
@@ -6726,17 +6726,18 @@
           <a:p>
             <a:pPr lvl="1"/>
             <a:r>
-              <a:rPr lang="de-DE" dirty="0" smtClean="0"/>
-              <a:t>Aufgetretene Probleme</a:t>
+              <a:rPr lang="de-DE" smtClean="0"/>
+              <a:t>Aufgetretene </a:t>
+            </a:r>
+            <a:r>
+              <a:rPr lang="de-DE" smtClean="0"/>
+              <a:t>Probleme</a:t>
+            </a:r>
+            <a:r>
+              <a:rPr lang="de-DE" dirty="0"/>
+              <a:t/>
             </a:r>
             <a:endParaRPr lang="de-DE" dirty="0"/>
-          </a:p>
-          <a:p>
-            <a:pPr lvl="1"/>
-            <a:r>
-              <a:rPr lang="de-DE" dirty="0"/>
-              <a:t>Verwendung</a:t>
-            </a:r>
           </a:p>
           <a:p>
             <a:pPr lvl="1"/>
@@ -6775,7 +6776,7 @@
   <p:timing>
     <p:tnLst>
       <p:par>
-        <p:cTn id="1" dur="indefinite" restart="never" nodeType="tmRoot"/>
+        <p:cTn xmlns:p14="http://schemas.microsoft.com/office/powerpoint/2010/main" id="1" dur="indefinite" restart="never" nodeType="tmRoot"/>
       </p:par>
     </p:tnLst>
   </p:timing>
@@ -6906,7 +6907,7 @@
   <p:timing>
     <p:tnLst>
       <p:par>
-        <p:cTn id="1" dur="indefinite" restart="never" nodeType="tmRoot"/>
+        <p:cTn xmlns:p14="http://schemas.microsoft.com/office/powerpoint/2010/main" id="1" dur="indefinite" restart="never" nodeType="tmRoot"/>
       </p:par>
     </p:tnLst>
   </p:timing>
@@ -7034,7 +7035,7 @@
   <p:timing>
     <p:tnLst>
       <p:par>
-        <p:cTn id="1" dur="indefinite" restart="never" nodeType="tmRoot"/>
+        <p:cTn xmlns:p14="http://schemas.microsoft.com/office/powerpoint/2010/main" id="1" dur="indefinite" restart="never" nodeType="tmRoot"/>
       </p:par>
     </p:tnLst>
   </p:timing>
@@ -7221,7 +7222,7 @@
   <p:timing>
     <p:tnLst>
       <p:par>
-        <p:cTn id="1" dur="indefinite" restart="never" nodeType="tmRoot"/>
+        <p:cTn xmlns:p14="http://schemas.microsoft.com/office/powerpoint/2010/main" id="1" dur="indefinite" restart="never" nodeType="tmRoot"/>
       </p:par>
     </p:tnLst>
   </p:timing>
@@ -7323,7 +7324,7 @@
   <p:timing>
     <p:tnLst>
       <p:par>
-        <p:cTn id="1" dur="indefinite" restart="never" nodeType="tmRoot"/>
+        <p:cTn xmlns:p14="http://schemas.microsoft.com/office/powerpoint/2010/main" id="1" dur="indefinite" restart="never" nodeType="tmRoot"/>
       </p:par>
     </p:tnLst>
   </p:timing>
@@ -7404,7 +7405,7 @@
   <p:timing>
     <p:tnLst>
       <p:par>
-        <p:cTn id="1" dur="indefinite" restart="never" nodeType="tmRoot"/>
+        <p:cTn xmlns:p14="http://schemas.microsoft.com/office/powerpoint/2010/main" id="1" dur="indefinite" restart="never" nodeType="tmRoot"/>
       </p:par>
     </p:tnLst>
   </p:timing>
@@ -7762,7 +7763,7 @@
   <p:timing>
     <p:tnLst>
       <p:par>
-        <p:cTn id="1" dur="indefinite" restart="never" nodeType="tmRoot"/>
+        <p:cTn xmlns:p14="http://schemas.microsoft.com/office/powerpoint/2010/main" id="1" dur="indefinite" restart="never" nodeType="tmRoot"/>
       </p:par>
     </p:tnLst>
   </p:timing>
@@ -7901,7 +7902,7 @@
   <p:timing>
     <p:tnLst>
       <p:par>
-        <p:cTn id="1" dur="indefinite" restart="never" nodeType="tmRoot"/>
+        <p:cTn xmlns:p14="http://schemas.microsoft.com/office/powerpoint/2010/main" id="1" dur="indefinite" restart="never" nodeType="tmRoot"/>
       </p:par>
     </p:tnLst>
   </p:timing>
@@ -7951,7 +7952,7 @@
     </a:clrScheme>
     <a:fontScheme name="Ion">
       <a:majorFont>
-        <a:latin typeface="Century Gothic" panose="020B0502020202020204"/>
+        <a:latin typeface="Century Gothic"/>
         <a:ea typeface=""/>
         <a:cs typeface=""/>
         <a:font script="Jpan" typeface="メイリオ"/>
@@ -7986,7 +7987,7 @@
         <a:font script="Geor" typeface="Sylfaen"/>
       </a:majorFont>
       <a:minorFont>
-        <a:latin typeface="Century Gothic" panose="020B0502020202020204"/>
+        <a:latin typeface="Century Gothic"/>
         <a:ea typeface=""/>
         <a:cs typeface=""/>
         <a:font script="Jpan" typeface="メイリオ"/>
@@ -8168,7 +8169,7 @@
   <a:extraClrSchemeLst/>
   <a:extLst>
     <a:ext uri="{05A4C25C-085E-4340-85A3-A5531E510DB2}">
-      <thm15:themeFamily xmlns:thm15="http://schemas.microsoft.com/office/thememl/2012/main" name="Ion" id="{B8441ADB-2E43-4AF7-B97A-BD870242C6A8}" vid="{292E63A9-BB86-4E3D-B92A-7223C6510D2E}"/>
+      <thm15:themeFamily xmlns:thm15="http://schemas.microsoft.com/office/thememl/2012/main" xmlns="" name="Ion" id="{B8441ADB-2E43-4AF7-B97A-BD870242C6A8}" vid="{292E63A9-BB86-4E3D-B92A-7223C6510D2E}"/>
     </a:ext>
   </a:extLst>
 </a:theme>
